--- a/Chapter7.Exception And Interrupts.pptx
+++ b/Chapter7.Exception And Interrupts.pptx
@@ -242,7 +242,7 @@
           <a:p>
             <a:fld id="{966D5B4E-BF3E-3B45-A4BA-D6C3B92870D7}" type="datetimeFigureOut">
               <a:rPr lang="en-US" smtClean="0"/>
-              <a:t>6/15/2023</a:t>
+              <a:t>6/17/2023</a:t>
             </a:fld>
             <a:endParaRPr lang="en-US" dirty="0"/>
           </a:p>
@@ -419,7 +419,7 @@
           <a:p>
             <a:fld id="{F5A8621B-8C8E-49BA-8772-41D0FE75A082}" type="datetimeFigureOut">
               <a:rPr lang="en-US" smtClean="0"/>
-              <a:t>6/15/2023</a:t>
+              <a:t>6/17/2023</a:t>
             </a:fld>
             <a:endParaRPr lang="en-US" dirty="0"/>
           </a:p>
@@ -7206,8 +7206,8 @@
         </p:nvSpPr>
         <p:spPr>
           <a:xfrm>
-            <a:off x="125964" y="1052427"/>
-            <a:ext cx="4301411" cy="1200329"/>
+            <a:off x="-8132" y="1052427"/>
+            <a:ext cx="4580131" cy="1200329"/>
           </a:xfrm>
           <a:prstGeom prst="rect">
             <a:avLst/>
@@ -7255,8 +7255,8 @@
         </p:nvSpPr>
         <p:spPr>
           <a:xfrm>
-            <a:off x="4572001" y="1052427"/>
-            <a:ext cx="4446036" cy="923330"/>
+            <a:off x="4571998" y="1052427"/>
+            <a:ext cx="4571999" cy="923330"/>
           </a:xfrm>
           <a:prstGeom prst="rect">
             <a:avLst/>
@@ -7440,8 +7440,8 @@
         </p:nvSpPr>
         <p:spPr>
           <a:xfrm>
-            <a:off x="125964" y="1052427"/>
-            <a:ext cx="4301411" cy="3693319"/>
+            <a:off x="0" y="1052427"/>
+            <a:ext cx="4571998" cy="3416320"/>
           </a:xfrm>
           <a:prstGeom prst="rect">
             <a:avLst/>
@@ -7510,7 +7510,7 @@
         <p:spPr>
           <a:xfrm>
             <a:off x="4572000" y="1052427"/>
-            <a:ext cx="4364393" cy="2585323"/>
+            <a:ext cx="4572000" cy="2585323"/>
           </a:xfrm>
           <a:prstGeom prst="rect">
             <a:avLst/>
@@ -8924,21 +8924,21 @@
 </file>
 
 <file path=customXml/item1.xml><?xml version="1.0" encoding="utf-8"?>
+<p:properties xmlns:p="http://schemas.microsoft.com/office/2006/metadata/properties" xmlns:xsi="http://www.w3.org/2001/XMLSchema-instance" xmlns:pc="http://schemas.microsoft.com/office/infopath/2007/PartnerControls">
+  <documentManagement>
+    <Status xmlns="71af3243-3dd4-4a8d-8c0d-dd76da1f02a5">Not started</Status>
+    <MediaServiceKeyPoints xmlns="71af3243-3dd4-4a8d-8c0d-dd76da1f02a5" xsi:nil="true"/>
+  </documentManagement>
+</p:properties>
+</file>
+
+<file path=customXml/item2.xml><?xml version="1.0" encoding="utf-8"?>
 <?mso-contentType ?>
 <FormTemplates xmlns="http://schemas.microsoft.com/sharepoint/v3/contenttype/forms">
   <Display>DocumentLibraryForm</Display>
   <Edit>DocumentLibraryForm</Edit>
   <New>DocumentLibraryForm</New>
 </FormTemplates>
-</file>
-
-<file path=customXml/item2.xml><?xml version="1.0" encoding="utf-8"?>
-<p:properties xmlns:p="http://schemas.microsoft.com/office/2006/metadata/properties" xmlns:xsi="http://www.w3.org/2001/XMLSchema-instance" xmlns:pc="http://schemas.microsoft.com/office/infopath/2007/PartnerControls">
-  <documentManagement>
-    <Status xmlns="71af3243-3dd4-4a8d-8c0d-dd76da1f02a5">Not started</Status>
-    <MediaServiceKeyPoints xmlns="71af3243-3dd4-4a8d-8c0d-dd76da1f02a5" xsi:nil="true"/>
-  </documentManagement>
-</p:properties>
 </file>
 
 <file path=customXml/item3.xml><?xml version="1.0" encoding="utf-8"?>
@@ -9163,19 +9163,19 @@
 </file>
 
 <file path=customXml/itemProps1.xml><?xml version="1.0" encoding="utf-8"?>
-<ds:datastoreItem xmlns:ds="http://schemas.openxmlformats.org/officeDocument/2006/customXml" ds:itemID="{1B7E2D32-4FDD-4266-880C-17595B801432}">
+<ds:datastoreItem xmlns:ds="http://schemas.openxmlformats.org/officeDocument/2006/customXml" ds:itemID="{E3D9F223-918A-45AF-9B53-56AB9E5E2182}">
   <ds:schemaRefs>
-    <ds:schemaRef ds:uri="http://schemas.microsoft.com/sharepoint/v3/contenttype/forms"/>
+    <ds:schemaRef ds:uri="http://schemas.microsoft.com/office/2006/metadata/properties"/>
+    <ds:schemaRef ds:uri="http://schemas.microsoft.com/office/infopath/2007/PartnerControls"/>
+    <ds:schemaRef ds:uri="71af3243-3dd4-4a8d-8c0d-dd76da1f02a5"/>
   </ds:schemaRefs>
 </ds:datastoreItem>
 </file>
 
 <file path=customXml/itemProps2.xml><?xml version="1.0" encoding="utf-8"?>
-<ds:datastoreItem xmlns:ds="http://schemas.openxmlformats.org/officeDocument/2006/customXml" ds:itemID="{E3D9F223-918A-45AF-9B53-56AB9E5E2182}">
+<ds:datastoreItem xmlns:ds="http://schemas.openxmlformats.org/officeDocument/2006/customXml" ds:itemID="{1B7E2D32-4FDD-4266-880C-17595B801432}">
   <ds:schemaRefs>
-    <ds:schemaRef ds:uri="http://schemas.microsoft.com/office/2006/metadata/properties"/>
-    <ds:schemaRef ds:uri="http://schemas.microsoft.com/office/infopath/2007/PartnerControls"/>
-    <ds:schemaRef ds:uri="71af3243-3dd4-4a8d-8c0d-dd76da1f02a5"/>
+    <ds:schemaRef ds:uri="http://schemas.microsoft.com/sharepoint/v3/contenttype/forms"/>
   </ds:schemaRefs>
 </ds:datastoreItem>
 </file>

--- a/Chapter7.Exception And Interrupts.pptx
+++ b/Chapter7.Exception And Interrupts.pptx
@@ -242,7 +242,7 @@
           <a:p>
             <a:fld id="{966D5B4E-BF3E-3B45-A4BA-D6C3B92870D7}" type="datetimeFigureOut">
               <a:rPr lang="en-US" smtClean="0"/>
-              <a:t>6/17/2023</a:t>
+              <a:t>6/26/2023</a:t>
             </a:fld>
             <a:endParaRPr lang="en-US" dirty="0"/>
           </a:p>
@@ -419,7 +419,7 @@
           <a:p>
             <a:fld id="{F5A8621B-8C8E-49BA-8772-41D0FE75A082}" type="datetimeFigureOut">
               <a:rPr lang="en-US" smtClean="0"/>
-              <a:t>6/17/2023</a:t>
+              <a:t>6/26/2023</a:t>
             </a:fld>
             <a:endParaRPr lang="en-US" dirty="0"/>
           </a:p>
@@ -7226,6 +7226,7 @@
                   <a:srgbClr val="2A1A00"/>
                 </a:solidFill>
                 <a:latin typeface="Arial" panose="020B0604020202020204" pitchFamily="34" charset="0"/>
+                <a:cs typeface="B Nazanin" panose="00000400000000000000" pitchFamily="2" charset="-78"/>
               </a:rPr>
               <a:t>•</a:t>
             </a:r>
@@ -7235,6 +7236,7 @@
                   <a:srgbClr val="585858"/>
                 </a:solidFill>
                 <a:latin typeface="Gill Sans MT" panose="020B0502020104020203" pitchFamily="34" charset="0"/>
+                <a:cs typeface="B Nazanin" panose="00000400000000000000" pitchFamily="2" charset="-78"/>
               </a:rPr>
               <a:t>Many architectures and authors do not distinguish between interrupts and exceptions, often using the older name interrupt to refer to both types of events. </a:t>
             </a:r>
@@ -7271,10 +7273,14 @@
           <a:p>
             <a:pPr algn="r" rtl="1"/>
             <a:r>
-              <a:rPr lang="fa-IR" dirty="0"/>
+              <a:rPr lang="fa-IR" dirty="0">
+                <a:cs typeface="B Nazanin" panose="00000400000000000000" pitchFamily="2" charset="-78"/>
+              </a:rPr>
               <a:t>•بسیاری از معماری ها و نویسندگان بین وقفه ها و استثناها تمایز قائل نمی شوند، اغلب از نام قدیمی تر وقفه برای اشاره به هر دو نوع رویداد استفاده می کنند.</a:t>
             </a:r>
-            <a:endParaRPr lang="en-US" dirty="0"/>
+            <a:endParaRPr lang="en-US" dirty="0">
+              <a:cs typeface="B Nazanin" panose="00000400000000000000" pitchFamily="2" charset="-78"/>
+            </a:endParaRPr>
           </a:p>
         </p:txBody>
       </p:sp>
@@ -7359,10 +7365,13 @@
                   <a:srgbClr val="2A1A00"/>
                 </a:solidFill>
                 <a:latin typeface="Impact" panose="020B0806030902050204" pitchFamily="34" charset="0"/>
+                <a:cs typeface="B Nazanin" panose="00000400000000000000" pitchFamily="2" charset="-78"/>
               </a:rPr>
               <a:t>EXCEPTIONS AND INTERRUPTS</a:t>
             </a:r>
-            <a:endParaRPr lang="en-US" sz="2800" dirty="0"/>
+            <a:endParaRPr lang="en-US" sz="2800" dirty="0">
+              <a:cs typeface="B Nazanin" panose="00000400000000000000" pitchFamily="2" charset="-78"/>
+            </a:endParaRPr>
           </a:p>
         </p:txBody>
       </p:sp>
@@ -7460,6 +7469,7 @@
                   <a:srgbClr val="2A1A00"/>
                 </a:solidFill>
                 <a:latin typeface="Arial" panose="020B0604020202020204" pitchFamily="34" charset="0"/>
+                <a:cs typeface="B Nazanin" panose="00000400000000000000" pitchFamily="2" charset="-78"/>
               </a:rPr>
               <a:t>•</a:t>
             </a:r>
@@ -7469,6 +7479,7 @@
                   <a:srgbClr val="585858"/>
                 </a:solidFill>
                 <a:latin typeface="Gill Sans MT" panose="020B0502020104020203" pitchFamily="34" charset="0"/>
+                <a:cs typeface="B Nazanin" panose="00000400000000000000" pitchFamily="2" charset="-78"/>
               </a:rPr>
               <a:t>The operating system contract is to look at the cause of the exception and act appropriately. For an undefined instruction, hardware failure, or arithmetic overflow exception, the operating system normally kills the program and returns an indicator of the reason. </a:t>
             </a:r>
@@ -7480,6 +7491,7 @@
                   <a:srgbClr val="2A1A00"/>
                 </a:solidFill>
                 <a:latin typeface="Arial" panose="020B0604020202020204" pitchFamily="34" charset="0"/>
+                <a:cs typeface="B Nazanin" panose="00000400000000000000" pitchFamily="2" charset="-78"/>
               </a:rPr>
               <a:t>•</a:t>
             </a:r>
@@ -7489,6 +7501,7 @@
                   <a:srgbClr val="585858"/>
                 </a:solidFill>
                 <a:latin typeface="Gill Sans MT" panose="020B0502020104020203" pitchFamily="34" charset="0"/>
+                <a:cs typeface="B Nazanin" panose="00000400000000000000" pitchFamily="2" charset="-78"/>
               </a:rPr>
               <a:t>For an I/O device request or an operating system service call, the operating system saves the state of the program, performs the desired task, and, at some point in the future, restores the program to continue execution. </a:t>
             </a:r>
@@ -7510,7 +7523,7 @@
         <p:spPr>
           <a:xfrm>
             <a:off x="4572000" y="1052427"/>
-            <a:ext cx="4572000" cy="2585323"/>
+            <a:ext cx="4572000" cy="2308324"/>
           </a:xfrm>
           <a:prstGeom prst="rect">
             <a:avLst/>
@@ -7525,25 +7538,35 @@
           <a:p>
             <a:pPr algn="r" rtl="1"/>
             <a:r>
-              <a:rPr lang="fa-IR" dirty="0"/>
+              <a:rPr lang="fa-IR" dirty="0">
+                <a:cs typeface="B Nazanin" panose="00000400000000000000" pitchFamily="2" charset="-78"/>
+              </a:rPr>
               <a:t>•قرارداد سیستم عامل این است که علت استثنا را بررسی کند و به درستی عمل کند. برای یک دستورالعمل تعریف نشده، خرابی سخت افزار یا استثناء سرریز حسابی، سیستم عامل به طور معمول برنامه را می کشد و نشانگر دلیل را برمی گرداند.</a:t>
             </a:r>
           </a:p>
           <a:p>
             <a:pPr algn="r" rtl="1"/>
             <a:r>
-              <a:rPr lang="fa-IR" dirty="0"/>
+              <a:rPr lang="fa-IR" dirty="0">
+                <a:cs typeface="B Nazanin" panose="00000400000000000000" pitchFamily="2" charset="-78"/>
+              </a:rPr>
               <a:t>• برای یک درخواست دستگاه </a:t>
             </a:r>
             <a:r>
-              <a:rPr lang="en-US" dirty="0"/>
+              <a:rPr lang="en-US" dirty="0">
+                <a:cs typeface="B Nazanin" panose="00000400000000000000" pitchFamily="2" charset="-78"/>
+              </a:rPr>
               <a:t>I/O </a:t>
             </a:r>
             <a:r>
-              <a:rPr lang="fa-IR" dirty="0"/>
+              <a:rPr lang="fa-IR" dirty="0">
+                <a:cs typeface="B Nazanin" panose="00000400000000000000" pitchFamily="2" charset="-78"/>
+              </a:rPr>
               <a:t>یا یک تماس سرویس سیستم عامل، سیستم عامل وضعیت برنامه را ذخیره می کند، کار مورد نظر را انجام می دهد و در نقطه ای در آینده، برنامه را برای ادامه اجرا بازیابی می کند.</a:t>
             </a:r>
-            <a:endParaRPr lang="en-US" dirty="0"/>
+            <a:endParaRPr lang="en-US" dirty="0">
+              <a:cs typeface="B Nazanin" panose="00000400000000000000" pitchFamily="2" charset="-78"/>
+            </a:endParaRPr>
           </a:p>
         </p:txBody>
       </p:sp>
@@ -7628,10 +7651,13 @@
                   <a:srgbClr val="2A1A00"/>
                 </a:solidFill>
                 <a:latin typeface="Impact" panose="020B0806030902050204" pitchFamily="34" charset="0"/>
+                <a:cs typeface="B Nazanin" panose="00000400000000000000" pitchFamily="2" charset="-78"/>
               </a:rPr>
               <a:t>WHAT TO DO?</a:t>
             </a:r>
-            <a:endParaRPr lang="en-US" sz="4000" dirty="0"/>
+            <a:endParaRPr lang="en-US" sz="4000" dirty="0">
+              <a:cs typeface="B Nazanin" panose="00000400000000000000" pitchFamily="2" charset="-78"/>
+            </a:endParaRPr>
           </a:p>
         </p:txBody>
       </p:sp>
@@ -8924,21 +8950,21 @@
 </file>
 
 <file path=customXml/item1.xml><?xml version="1.0" encoding="utf-8"?>
+<?mso-contentType ?>
+<FormTemplates xmlns="http://schemas.microsoft.com/sharepoint/v3/contenttype/forms">
+  <Display>DocumentLibraryForm</Display>
+  <Edit>DocumentLibraryForm</Edit>
+  <New>DocumentLibraryForm</New>
+</FormTemplates>
+</file>
+
+<file path=customXml/item2.xml><?xml version="1.0" encoding="utf-8"?>
 <p:properties xmlns:p="http://schemas.microsoft.com/office/2006/metadata/properties" xmlns:xsi="http://www.w3.org/2001/XMLSchema-instance" xmlns:pc="http://schemas.microsoft.com/office/infopath/2007/PartnerControls">
   <documentManagement>
     <Status xmlns="71af3243-3dd4-4a8d-8c0d-dd76da1f02a5">Not started</Status>
     <MediaServiceKeyPoints xmlns="71af3243-3dd4-4a8d-8c0d-dd76da1f02a5" xsi:nil="true"/>
   </documentManagement>
 </p:properties>
-</file>
-
-<file path=customXml/item2.xml><?xml version="1.0" encoding="utf-8"?>
-<?mso-contentType ?>
-<FormTemplates xmlns="http://schemas.microsoft.com/sharepoint/v3/contenttype/forms">
-  <Display>DocumentLibraryForm</Display>
-  <Edit>DocumentLibraryForm</Edit>
-  <New>DocumentLibraryForm</New>
-</FormTemplates>
 </file>
 
 <file path=customXml/item3.xml><?xml version="1.0" encoding="utf-8"?>
@@ -9163,19 +9189,19 @@
 </file>
 
 <file path=customXml/itemProps1.xml><?xml version="1.0" encoding="utf-8"?>
+<ds:datastoreItem xmlns:ds="http://schemas.openxmlformats.org/officeDocument/2006/customXml" ds:itemID="{1B7E2D32-4FDD-4266-880C-17595B801432}">
+  <ds:schemaRefs>
+    <ds:schemaRef ds:uri="http://schemas.microsoft.com/sharepoint/v3/contenttype/forms"/>
+  </ds:schemaRefs>
+</ds:datastoreItem>
+</file>
+
+<file path=customXml/itemProps2.xml><?xml version="1.0" encoding="utf-8"?>
 <ds:datastoreItem xmlns:ds="http://schemas.openxmlformats.org/officeDocument/2006/customXml" ds:itemID="{E3D9F223-918A-45AF-9B53-56AB9E5E2182}">
   <ds:schemaRefs>
     <ds:schemaRef ds:uri="http://schemas.microsoft.com/office/2006/metadata/properties"/>
     <ds:schemaRef ds:uri="http://schemas.microsoft.com/office/infopath/2007/PartnerControls"/>
     <ds:schemaRef ds:uri="71af3243-3dd4-4a8d-8c0d-dd76da1f02a5"/>
-  </ds:schemaRefs>
-</ds:datastoreItem>
-</file>
-
-<file path=customXml/itemProps2.xml><?xml version="1.0" encoding="utf-8"?>
-<ds:datastoreItem xmlns:ds="http://schemas.openxmlformats.org/officeDocument/2006/customXml" ds:itemID="{1B7E2D32-4FDD-4266-880C-17595B801432}">
-  <ds:schemaRefs>
-    <ds:schemaRef ds:uri="http://schemas.microsoft.com/sharepoint/v3/contenttype/forms"/>
   </ds:schemaRefs>
 </ds:datastoreItem>
 </file>
